--- a/Language Translator.pptx
+++ b/Language Translator.pptx
@@ -3676,7 +3676,7 @@
         <p:spPr>
           <a:xfrm>
             <a:off x="457200" y="1417638"/>
-            <a:ext cx="8075240" cy="5035698"/>
+            <a:ext cx="8363272" cy="5179714"/>
           </a:xfrm>
           <a:ln>
             <a:solidFill>
@@ -5232,12 +5232,14 @@
         </p:nvSpPr>
         <p:spPr>
           <a:xfrm>
-            <a:off x="2339752" y="67038"/>
-            <a:ext cx="3888432" cy="841682"/>
+            <a:off x="611560" y="116632"/>
+            <a:ext cx="7632848" cy="841682"/>
           </a:xfrm>
         </p:spPr>
         <p:txBody>
-          <a:bodyPr/>
+          <a:bodyPr>
+            <a:normAutofit/>
+          </a:bodyPr>
           <a:lstStyle/>
           <a:p>
             <a:pPr algn="ctr"/>
@@ -5250,7 +5252,7 @@
                   </a:schemeClr>
                 </a:solidFill>
               </a:rPr>
-              <a:t>OUTPUT 1</a:t>
+              <a:t>OUTPUT 1(Correct output)</a:t>
             </a:r>
             <a:endParaRPr lang="en-IN" sz="4800" dirty="0">
               <a:solidFill>
@@ -5287,9 +5289,19 @@
         </p:blipFill>
         <p:spPr>
           <a:xfrm>
-            <a:off x="179512" y="1340768"/>
+            <a:off x="251520" y="1196752"/>
             <a:ext cx="8727004" cy="5112568"/>
           </a:xfrm>
+          <a:solidFill>
+            <a:schemeClr val="accent2">
+              <a:lumMod val="60000"/>
+              <a:lumOff val="40000"/>
+              <a:alpha val="65000"/>
+            </a:schemeClr>
+          </a:solidFill>
+          <a:ln>
+            <a:noFill/>
+          </a:ln>
         </p:spPr>
       </p:pic>
     </p:spTree>
@@ -5476,7 +5488,7 @@
         </p:nvSpPr>
         <p:spPr>
           <a:xfrm>
-            <a:off x="179512" y="44624"/>
+            <a:off x="179512" y="116632"/>
             <a:ext cx="8640960" cy="1008112"/>
           </a:xfrm>
         </p:spPr>
@@ -5488,7 +5500,7 @@
           <a:p>
             <a:pPr algn="ctr"/>
             <a:r>
-              <a:rPr lang="en-IN" sz="3600" dirty="0" smtClean="0">
+              <a:rPr lang="en-IN" sz="3400" dirty="0" smtClean="0">
                 <a:solidFill>
                   <a:schemeClr val="accent2">
                     <a:lumMod val="60000"/>
@@ -5496,10 +5508,10 @@
                   </a:schemeClr>
                 </a:solidFill>
               </a:rPr>
-              <a:t>OUTPUT 2(Invalid </a:t>
-            </a:r>
-            <a:r>
-              <a:rPr lang="en-IN" sz="3600" dirty="0">
+              <a:t>OUTPUT 2(Incorrect </a:t>
+            </a:r>
+            <a:r>
+              <a:rPr lang="en-IN" sz="3400" dirty="0">
                 <a:solidFill>
                   <a:schemeClr val="accent2">
                     <a:lumMod val="60000"/>
@@ -5510,7 +5522,7 @@
               <a:t>o</a:t>
             </a:r>
             <a:r>
-              <a:rPr lang="en-IN" sz="3600" dirty="0" smtClean="0">
+              <a:rPr lang="en-IN" sz="3400" dirty="0" smtClean="0">
                 <a:solidFill>
                   <a:schemeClr val="accent2">
                     <a:lumMod val="60000"/>
@@ -5521,7 +5533,7 @@
               <a:t>utput due to </a:t>
             </a:r>
             <a:r>
-              <a:rPr lang="en-IN" sz="3600" dirty="0" err="1" smtClean="0">
+              <a:rPr lang="en-IN" sz="3400" dirty="0" smtClean="0">
                 <a:solidFill>
                   <a:schemeClr val="accent2">
                     <a:lumMod val="60000"/>
@@ -5529,10 +5541,10 @@
                   </a:schemeClr>
                 </a:solidFill>
               </a:rPr>
-              <a:t>errornous</a:t>
-            </a:r>
-            <a:r>
-              <a:rPr lang="en-IN" sz="3600" dirty="0" smtClean="0">
+              <a:t>erroneous </a:t>
+            </a:r>
+            <a:r>
+              <a:rPr lang="en-IN" sz="3400" dirty="0" smtClean="0">
                 <a:solidFill>
                   <a:schemeClr val="accent2">
                     <a:lumMod val="60000"/>
@@ -5540,9 +5552,9 @@
                   </a:schemeClr>
                 </a:solidFill>
               </a:rPr>
-              <a:t> input)</a:t>
-            </a:r>
-            <a:endParaRPr lang="en-IN" sz="3600" dirty="0">
+              <a:t>input)</a:t>
+            </a:r>
+            <a:endParaRPr lang="en-IN" sz="3400" dirty="0">
               <a:solidFill>
                 <a:schemeClr val="accent2">
                   <a:lumMod val="60000"/>
@@ -5577,7 +5589,7 @@
         </p:blipFill>
         <p:spPr>
           <a:xfrm>
-            <a:off x="179512" y="1124744"/>
+            <a:off x="196225" y="1268760"/>
             <a:ext cx="8856984" cy="5400600"/>
           </a:xfrm>
         </p:spPr>

--- a/Language Translator.pptx
+++ b/Language Translator.pptx
@@ -3650,16 +3650,24 @@
             <p:ph type="title"/>
           </p:nvPr>
         </p:nvSpPr>
-        <p:spPr/>
-        <p:txBody>
-          <a:bodyPr/>
-          <a:lstStyle/>
-          <a:p>
-            <a:r>
-              <a:rPr lang="en-IN" smtClean="0"/>
+        <p:spPr>
+          <a:xfrm>
+            <a:off x="755576" y="188640"/>
+            <a:ext cx="7467600" cy="1143000"/>
+          </a:xfrm>
+        </p:spPr>
+        <p:txBody>
+          <a:bodyPr>
+            <a:normAutofit/>
+          </a:bodyPr>
+          <a:lstStyle/>
+          <a:p>
+            <a:pPr algn="ctr"/>
+            <a:r>
+              <a:rPr lang="en-IN" sz="6000" dirty="0" smtClean="0"/>
               <a:t>Language Translator</a:t>
             </a:r>
-            <a:endParaRPr lang="en-IN"/>
+            <a:endParaRPr lang="en-IN" sz="6000" dirty="0"/>
           </a:p>
         </p:txBody>
       </p:sp>
@@ -3793,28 +3801,29 @@
         <p:spPr>
           <a:xfrm>
             <a:off x="107504" y="0"/>
-            <a:ext cx="6347048" cy="1143000"/>
+            <a:ext cx="8568952" cy="1143000"/>
           </a:xfrm>
         </p:spPr>
         <p:txBody>
           <a:bodyPr>
-            <a:normAutofit/>
+            <a:noAutofit/>
           </a:bodyPr>
           <a:lstStyle/>
           <a:p>
-            <a:r>
-              <a:rPr lang="en-IN" sz="4000" dirty="0" smtClean="0"/>
-              <a:t>Feature of </a:t>
-            </a:r>
-            <a:r>
-              <a:rPr lang="en-IN" sz="4000" dirty="0" err="1" smtClean="0"/>
+            <a:pPr algn="ctr"/>
+            <a:r>
+              <a:rPr lang="en-IN" sz="4800" dirty="0" smtClean="0"/>
+              <a:t>Features of </a:t>
+            </a:r>
+            <a:r>
+              <a:rPr lang="en-IN" sz="4800" dirty="0" err="1" smtClean="0"/>
               <a:t>AreaVolume</a:t>
             </a:r>
             <a:r>
-              <a:rPr lang="en-IN" sz="4000" dirty="0" smtClean="0"/>
+              <a:rPr lang="en-IN" sz="4800" dirty="0" smtClean="0"/>
               <a:t> Code</a:t>
             </a:r>
-            <a:endParaRPr lang="en-IN" sz="4000" dirty="0"/>
+            <a:endParaRPr lang="en-IN" sz="4800" dirty="0"/>
           </a:p>
         </p:txBody>
       </p:sp>
@@ -5353,8 +5362,8 @@
         </p:nvSpPr>
         <p:spPr>
           <a:xfrm>
-            <a:off x="539552" y="404664"/>
-            <a:ext cx="7200800" cy="864096"/>
+            <a:off x="827584" y="260648"/>
+            <a:ext cx="7200800" cy="936104"/>
           </a:xfrm>
         </p:spPr>
         <p:txBody>
@@ -5530,29 +5539,7 @@
                   </a:schemeClr>
                 </a:solidFill>
               </a:rPr>
-              <a:t>utput due to </a:t>
-            </a:r>
-            <a:r>
-              <a:rPr lang="en-IN" sz="3400" dirty="0" smtClean="0">
-                <a:solidFill>
-                  <a:schemeClr val="accent2">
-                    <a:lumMod val="60000"/>
-                    <a:lumOff val="40000"/>
-                  </a:schemeClr>
-                </a:solidFill>
-              </a:rPr>
-              <a:t>erroneous </a:t>
-            </a:r>
-            <a:r>
-              <a:rPr lang="en-IN" sz="3400" dirty="0" smtClean="0">
-                <a:solidFill>
-                  <a:schemeClr val="accent2">
-                    <a:lumMod val="60000"/>
-                    <a:lumOff val="40000"/>
-                  </a:schemeClr>
-                </a:solidFill>
-              </a:rPr>
-              <a:t>input)</a:t>
+              <a:t>utput due to erroneous input)</a:t>
             </a:r>
             <a:endParaRPr lang="en-IN" sz="3400" dirty="0">
               <a:solidFill>
